--- a/Наработки/книги/Демонолог/Блок-схема сюжета демонолог.pptx
+++ b/Наработки/книги/Демонолог/Блок-схема сюжета демонолог.pptx
@@ -209,7 +209,7 @@
             <a:fld id="{33E3D7F9-E251-484C-A6FF-FA958879DF69}" type="datetimeFigureOut">
               <a:rPr lang="ru-RU" smtClean="0"/>
               <a:pPr/>
-              <a:t>29.03.2023</a:t>
+              <a:t>13.05.2024</a:t>
             </a:fld>
             <a:endParaRPr lang="ru-RU"/>
           </a:p>
@@ -699,7 +699,7 @@
             <a:fld id="{85A5DE44-605B-4D3B-B2B7-94543DF81A36}" type="datetimeFigureOut">
               <a:rPr lang="ru-RU" smtClean="0"/>
               <a:pPr/>
-              <a:t>29.03.2023</a:t>
+              <a:t>13.05.2024</a:t>
             </a:fld>
             <a:endParaRPr lang="ru-RU"/>
           </a:p>
@@ -871,7 +871,7 @@
             <a:fld id="{85A5DE44-605B-4D3B-B2B7-94543DF81A36}" type="datetimeFigureOut">
               <a:rPr lang="ru-RU" smtClean="0"/>
               <a:pPr/>
-              <a:t>29.03.2023</a:t>
+              <a:t>13.05.2024</a:t>
             </a:fld>
             <a:endParaRPr lang="ru-RU"/>
           </a:p>
@@ -1053,7 +1053,7 @@
             <a:fld id="{85A5DE44-605B-4D3B-B2B7-94543DF81A36}" type="datetimeFigureOut">
               <a:rPr lang="ru-RU" smtClean="0"/>
               <a:pPr/>
-              <a:t>29.03.2023</a:t>
+              <a:t>13.05.2024</a:t>
             </a:fld>
             <a:endParaRPr lang="ru-RU"/>
           </a:p>
@@ -1225,7 +1225,7 @@
             <a:fld id="{85A5DE44-605B-4D3B-B2B7-94543DF81A36}" type="datetimeFigureOut">
               <a:rPr lang="ru-RU" smtClean="0"/>
               <a:pPr/>
-              <a:t>29.03.2023</a:t>
+              <a:t>13.05.2024</a:t>
             </a:fld>
             <a:endParaRPr lang="ru-RU"/>
           </a:p>
@@ -1473,7 +1473,7 @@
             <a:fld id="{85A5DE44-605B-4D3B-B2B7-94543DF81A36}" type="datetimeFigureOut">
               <a:rPr lang="ru-RU" smtClean="0"/>
               <a:pPr/>
-              <a:t>29.03.2023</a:t>
+              <a:t>13.05.2024</a:t>
             </a:fld>
             <a:endParaRPr lang="ru-RU"/>
           </a:p>
@@ -1707,7 +1707,7 @@
             <a:fld id="{85A5DE44-605B-4D3B-B2B7-94543DF81A36}" type="datetimeFigureOut">
               <a:rPr lang="ru-RU" smtClean="0"/>
               <a:pPr/>
-              <a:t>29.03.2023</a:t>
+              <a:t>13.05.2024</a:t>
             </a:fld>
             <a:endParaRPr lang="ru-RU"/>
           </a:p>
@@ -2076,7 +2076,7 @@
             <a:fld id="{85A5DE44-605B-4D3B-B2B7-94543DF81A36}" type="datetimeFigureOut">
               <a:rPr lang="ru-RU" smtClean="0"/>
               <a:pPr/>
-              <a:t>29.03.2023</a:t>
+              <a:t>13.05.2024</a:t>
             </a:fld>
             <a:endParaRPr lang="ru-RU"/>
           </a:p>
@@ -2196,7 +2196,7 @@
             <a:fld id="{85A5DE44-605B-4D3B-B2B7-94543DF81A36}" type="datetimeFigureOut">
               <a:rPr lang="ru-RU" smtClean="0"/>
               <a:pPr/>
-              <a:t>29.03.2023</a:t>
+              <a:t>13.05.2024</a:t>
             </a:fld>
             <a:endParaRPr lang="ru-RU"/>
           </a:p>
@@ -2293,7 +2293,7 @@
             <a:fld id="{85A5DE44-605B-4D3B-B2B7-94543DF81A36}" type="datetimeFigureOut">
               <a:rPr lang="ru-RU" smtClean="0"/>
               <a:pPr/>
-              <a:t>29.03.2023</a:t>
+              <a:t>13.05.2024</a:t>
             </a:fld>
             <a:endParaRPr lang="ru-RU"/>
           </a:p>
@@ -2572,7 +2572,7 @@
             <a:fld id="{85A5DE44-605B-4D3B-B2B7-94543DF81A36}" type="datetimeFigureOut">
               <a:rPr lang="ru-RU" smtClean="0"/>
               <a:pPr/>
-              <a:t>29.03.2023</a:t>
+              <a:t>13.05.2024</a:t>
             </a:fld>
             <a:endParaRPr lang="ru-RU"/>
           </a:p>
@@ -2831,7 +2831,7 @@
             <a:fld id="{85A5DE44-605B-4D3B-B2B7-94543DF81A36}" type="datetimeFigureOut">
               <a:rPr lang="ru-RU" smtClean="0"/>
               <a:pPr/>
-              <a:t>29.03.2023</a:t>
+              <a:t>13.05.2024</a:t>
             </a:fld>
             <a:endParaRPr lang="ru-RU"/>
           </a:p>
@@ -3046,7 +3046,7 @@
             <a:fld id="{85A5DE44-605B-4D3B-B2B7-94543DF81A36}" type="datetimeFigureOut">
               <a:rPr lang="ru-RU" smtClean="0"/>
               <a:pPr/>
-              <a:t>29.03.2023</a:t>
+              <a:t>13.05.2024</a:t>
             </a:fld>
             <a:endParaRPr lang="ru-RU"/>
           </a:p>
@@ -3454,13 +3454,19 @@
       </p:grpSpPr>
       <p:sp>
         <p:nvSpPr>
-          <p:cNvPr id="370" name="Прямоугольник 369"/>
+          <p:cNvPr id="19" name="Прямоугольник 18">
+            <a:extLst>
+              <a:ext uri="{FF2B5EF4-FFF2-40B4-BE49-F238E27FC236}">
+                <a16:creationId xmlns:a16="http://schemas.microsoft.com/office/drawing/2014/main" id="{53858CFA-758E-44F6-BB30-4E8AF6ADDB2B}"/>
+              </a:ext>
+            </a:extLst>
+          </p:cNvPr>
           <p:cNvSpPr/>
           <p:nvPr/>
         </p:nvSpPr>
         <p:spPr>
           <a:xfrm>
-            <a:off x="2148696" y="188551"/>
+            <a:off x="8292882" y="357257"/>
             <a:ext cx="2115918" cy="1080000"/>
           </a:xfrm>
           <a:prstGeom prst="rect">
@@ -3489,62 +3495,26 @@
             <a:pPr algn="ctr"/>
             <a:r>
               <a:rPr lang="ru-RU" sz="1400" dirty="0"/>
-              <a:t>Глава 6</a:t>
-            </a:r>
-          </a:p>
-        </p:txBody>
-      </p:sp>
-      <p:sp>
-        <p:nvSpPr>
-          <p:cNvPr id="372" name="Прямоугольник 371"/>
+              <a:t>Глава 11</a:t>
+            </a:r>
+          </a:p>
+        </p:txBody>
+      </p:sp>
+      <p:sp>
+        <p:nvSpPr>
+          <p:cNvPr id="20" name="Прямоугольник 19">
+            <a:extLst>
+              <a:ext uri="{FF2B5EF4-FFF2-40B4-BE49-F238E27FC236}">
+                <a16:creationId xmlns:a16="http://schemas.microsoft.com/office/drawing/2014/main" id="{ACFB9F83-8898-40CE-AFCC-912076ECC126}"/>
+              </a:ext>
+            </a:extLst>
+          </p:cNvPr>
           <p:cNvSpPr/>
           <p:nvPr/>
         </p:nvSpPr>
         <p:spPr>
           <a:xfrm>
-            <a:off x="405914" y="1703086"/>
-            <a:ext cx="5601480" cy="1080000"/>
-          </a:xfrm>
-          <a:prstGeom prst="rect">
-            <a:avLst/>
-          </a:prstGeom>
-          <a:ln w="28575"/>
-        </p:spPr>
-        <p:style>
-          <a:lnRef idx="2">
-            <a:schemeClr val="accent1"/>
-          </a:lnRef>
-          <a:fillRef idx="1">
-            <a:schemeClr val="lt1"/>
-          </a:fillRef>
-          <a:effectRef idx="0">
-            <a:schemeClr val="accent1"/>
-          </a:effectRef>
-          <a:fontRef idx="minor">
-            <a:schemeClr val="dk1"/>
-          </a:fontRef>
-        </p:style>
-        <p:txBody>
-          <a:bodyPr lIns="124733" tIns="62367" rIns="124733" bIns="62367" rtlCol="0" anchor="ctr"/>
-          <a:lstStyle/>
-          <a:p>
-            <a:pPr algn="ctr"/>
-            <a:r>
-              <a:rPr lang="ru-RU" sz="1400" dirty="0"/>
-              <a:t>ИЗМЕНИТЬ характер матери, сделать более трясущимся над парнем. состояние семьи Лео, обучение в школе (грамматиста), знакомство с парнем из семьи Порядка.</a:t>
-            </a:r>
-          </a:p>
-        </p:txBody>
-      </p:sp>
-      <p:sp>
-        <p:nvSpPr>
-          <p:cNvPr id="384" name="Прямоугольник 383"/>
-          <p:cNvSpPr/>
-          <p:nvPr/>
-        </p:nvSpPr>
-        <p:spPr>
-          <a:xfrm>
-            <a:off x="6940063" y="1541186"/>
+            <a:off x="6556450" y="1766329"/>
             <a:ext cx="5601481" cy="1403799"/>
           </a:xfrm>
           <a:prstGeom prst="rect">
@@ -3573,245 +3543,30 @@
             <a:pPr algn="ctr"/>
             <a:r>
               <a:rPr lang="ru-RU" sz="1400" dirty="0"/>
-              <a:t>Лекция о природах силы, рассуждения о путях достижения цели по горну хаоса, обходные пути по получению энергии, питание семени, весть о смерти отца.</a:t>
+              <a:t>Выживание на острове, немного о развитии??? Самостоятельное изготовление зелий-бурды, рыбалка рыбы и охота на демонов, взор в центр острова</a:t>
             </a:r>
           </a:p>
         </p:txBody>
       </p:sp>
       <p:cxnSp>
         <p:nvCxnSpPr>
-          <p:cNvPr id="388" name="Соединительная линия уступом 387"/>
-          <p:cNvCxnSpPr>
-            <a:stCxn id="370" idx="2"/>
-            <a:endCxn id="372" idx="0"/>
-          </p:cNvCxnSpPr>
-          <p:nvPr/>
-        </p:nvCxnSpPr>
-        <p:spPr>
-          <a:xfrm rot="5400000">
-            <a:off x="2989388" y="1485818"/>
-            <a:ext cx="434535" cy="1"/>
-          </a:xfrm>
-          <a:prstGeom prst="bentConnector3">
-            <a:avLst>
-              <a:gd name="adj1" fmla="val 50000"/>
-            </a:avLst>
-          </a:prstGeom>
-          <a:ln w="28575">
-            <a:tailEnd type="arrow"/>
-          </a:ln>
-        </p:spPr>
-        <p:style>
-          <a:lnRef idx="1">
-            <a:schemeClr val="accent1"/>
-          </a:lnRef>
-          <a:fillRef idx="0">
-            <a:schemeClr val="accent1"/>
-          </a:fillRef>
-          <a:effectRef idx="0">
-            <a:schemeClr val="accent1"/>
-          </a:effectRef>
-          <a:fontRef idx="minor">
-            <a:schemeClr val="tx1"/>
-          </a:fontRef>
-        </p:style>
-      </p:cxnSp>
-      <p:cxnSp>
-        <p:nvCxnSpPr>
-          <p:cNvPr id="219" name="Соединительная линия уступом 218"/>
+          <p:cNvPr id="21" name="Соединительная линия уступом 218">
+            <a:extLst>
+              <a:ext uri="{FF2B5EF4-FFF2-40B4-BE49-F238E27FC236}">
+                <a16:creationId xmlns:a16="http://schemas.microsoft.com/office/drawing/2014/main" id="{22BEF41A-438B-430B-A5C7-69A4AEC0D8D0}"/>
+              </a:ext>
+            </a:extLst>
+          </p:cNvPr>
           <p:cNvCxnSpPr>
             <a:cxnSpLocks/>
-            <a:stCxn id="227" idx="2"/>
-            <a:endCxn id="384" idx="0"/>
+            <a:stCxn id="19" idx="2"/>
+            <a:endCxn id="20" idx="0"/>
           </p:cNvCxnSpPr>
           <p:nvPr/>
         </p:nvCxnSpPr>
         <p:spPr>
           <a:xfrm rot="16200000" flipH="1">
-            <a:off x="9576268" y="1376649"/>
-            <a:ext cx="329071" cy="1"/>
-          </a:xfrm>
-          <a:prstGeom prst="bentConnector3">
-            <a:avLst>
-              <a:gd name="adj1" fmla="val 50000"/>
-            </a:avLst>
-          </a:prstGeom>
-          <a:ln w="28575">
-            <a:tailEnd type="arrow"/>
-          </a:ln>
-        </p:spPr>
-        <p:style>
-          <a:lnRef idx="1">
-            <a:schemeClr val="accent1"/>
-          </a:lnRef>
-          <a:fillRef idx="0">
-            <a:schemeClr val="accent1"/>
-          </a:fillRef>
-          <a:effectRef idx="0">
-            <a:schemeClr val="accent1"/>
-          </a:effectRef>
-          <a:fontRef idx="minor">
-            <a:schemeClr val="tx1"/>
-          </a:fontRef>
-        </p:style>
-      </p:cxnSp>
-      <p:sp>
-        <p:nvSpPr>
-          <p:cNvPr id="227" name="Прямоугольник 226"/>
-          <p:cNvSpPr/>
-          <p:nvPr/>
-        </p:nvSpPr>
-        <p:spPr>
-          <a:xfrm>
-            <a:off x="8682844" y="132115"/>
-            <a:ext cx="2115918" cy="1080000"/>
-          </a:xfrm>
-          <a:prstGeom prst="rect">
-            <a:avLst/>
-          </a:prstGeom>
-          <a:ln w="28575"/>
-        </p:spPr>
-        <p:style>
-          <a:lnRef idx="2">
-            <a:schemeClr val="accent1"/>
-          </a:lnRef>
-          <a:fillRef idx="1">
-            <a:schemeClr val="lt1"/>
-          </a:fillRef>
-          <a:effectRef idx="0">
-            <a:schemeClr val="accent1"/>
-          </a:effectRef>
-          <a:fontRef idx="minor">
-            <a:schemeClr val="dk1"/>
-          </a:fontRef>
-        </p:style>
-        <p:txBody>
-          <a:bodyPr lIns="124733" tIns="62367" rIns="124733" bIns="62367" rtlCol="0" anchor="ctr"/>
-          <a:lstStyle/>
-          <a:p>
-            <a:pPr algn="ctr"/>
-            <a:r>
-              <a:rPr lang="ru-RU" sz="1400" dirty="0"/>
-              <a:t>Глава 7</a:t>
-            </a:r>
-          </a:p>
-        </p:txBody>
-      </p:sp>
-      <p:sp>
-        <p:nvSpPr>
-          <p:cNvPr id="12" name="Прямоугольник 11">
-            <a:extLst>
-              <a:ext uri="{FF2B5EF4-FFF2-40B4-BE49-F238E27FC236}">
-                <a16:creationId xmlns:a16="http://schemas.microsoft.com/office/drawing/2014/main" id="{7CADB9B9-4C90-4C9A-A757-AF995AB69A0E}"/>
-              </a:ext>
-            </a:extLst>
-          </p:cNvPr>
-          <p:cNvSpPr/>
-          <p:nvPr/>
-        </p:nvSpPr>
-        <p:spPr>
-          <a:xfrm>
-            <a:off x="14768212" y="132114"/>
-            <a:ext cx="2115918" cy="1080000"/>
-          </a:xfrm>
-          <a:prstGeom prst="rect">
-            <a:avLst/>
-          </a:prstGeom>
-          <a:ln w="28575"/>
-        </p:spPr>
-        <p:style>
-          <a:lnRef idx="2">
-            <a:schemeClr val="accent1"/>
-          </a:lnRef>
-          <a:fillRef idx="1">
-            <a:schemeClr val="lt1"/>
-          </a:fillRef>
-          <a:effectRef idx="0">
-            <a:schemeClr val="accent1"/>
-          </a:effectRef>
-          <a:fontRef idx="minor">
-            <a:schemeClr val="dk1"/>
-          </a:fontRef>
-        </p:style>
-        <p:txBody>
-          <a:bodyPr lIns="124733" tIns="62367" rIns="124733" bIns="62367" rtlCol="0" anchor="ctr"/>
-          <a:lstStyle/>
-          <a:p>
-            <a:pPr algn="ctr"/>
-            <a:r>
-              <a:rPr lang="ru-RU" sz="1400" dirty="0"/>
-              <a:t>Глава 8</a:t>
-            </a:r>
-          </a:p>
-        </p:txBody>
-      </p:sp>
-      <p:sp>
-        <p:nvSpPr>
-          <p:cNvPr id="13" name="Прямоугольник 12">
-            <a:extLst>
-              <a:ext uri="{FF2B5EF4-FFF2-40B4-BE49-F238E27FC236}">
-                <a16:creationId xmlns:a16="http://schemas.microsoft.com/office/drawing/2014/main" id="{065005BA-A63D-425B-AEC4-D3BB8D83CD5D}"/>
-              </a:ext>
-            </a:extLst>
-          </p:cNvPr>
-          <p:cNvSpPr/>
-          <p:nvPr/>
-        </p:nvSpPr>
-        <p:spPr>
-          <a:xfrm>
-            <a:off x="13031780" y="1541186"/>
-            <a:ext cx="5601481" cy="1403799"/>
-          </a:xfrm>
-          <a:prstGeom prst="rect">
-            <a:avLst/>
-          </a:prstGeom>
-          <a:ln w="28575"/>
-        </p:spPr>
-        <p:style>
-          <a:lnRef idx="2">
-            <a:schemeClr val="accent1"/>
-          </a:lnRef>
-          <a:fillRef idx="1">
-            <a:schemeClr val="lt1"/>
-          </a:fillRef>
-          <a:effectRef idx="0">
-            <a:schemeClr val="accent1"/>
-          </a:effectRef>
-          <a:fontRef idx="minor">
-            <a:schemeClr val="dk1"/>
-          </a:fontRef>
-        </p:style>
-        <p:txBody>
-          <a:bodyPr lIns="124733" tIns="62367" rIns="124733" bIns="62367" rtlCol="0" anchor="ctr"/>
-          <a:lstStyle/>
-          <a:p>
-            <a:pPr algn="ctr"/>
-            <a:r>
-              <a:rPr lang="ru-RU" sz="1400" dirty="0"/>
-              <a:t>Похороны по византийским обычаям, обсуждение смерти отца, пробуждение семени, попал в домен, описание состояния души приглашение на полуостров, отплыв, </a:t>
-            </a:r>
-          </a:p>
-        </p:txBody>
-      </p:sp>
-      <p:cxnSp>
-        <p:nvCxnSpPr>
-          <p:cNvPr id="17" name="Соединительная линия уступом 218">
-            <a:extLst>
-              <a:ext uri="{FF2B5EF4-FFF2-40B4-BE49-F238E27FC236}">
-                <a16:creationId xmlns:a16="http://schemas.microsoft.com/office/drawing/2014/main" id="{BB5C190E-CFB0-42E5-AD8F-F6BB1B948A8F}"/>
-              </a:ext>
-            </a:extLst>
-          </p:cNvPr>
-          <p:cNvCxnSpPr>
-            <a:cxnSpLocks/>
-            <a:stCxn id="12" idx="2"/>
-            <a:endCxn id="13" idx="0"/>
-          </p:cNvCxnSpPr>
-          <p:nvPr/>
-        </p:nvCxnSpPr>
-        <p:spPr>
-          <a:xfrm rot="16200000" flipH="1">
-            <a:off x="15664810" y="1373475"/>
+            <a:off x="9189480" y="1598618"/>
             <a:ext cx="329072" cy="6350"/>
           </a:xfrm>
           <a:prstGeom prst="bentConnector3">
@@ -3840,10 +3595,10 @@
       </p:cxnSp>
       <p:sp>
         <p:nvSpPr>
-          <p:cNvPr id="19" name="Прямоугольник 18">
+          <p:cNvPr id="18" name="Прямоугольник 17">
             <a:extLst>
               <a:ext uri="{FF2B5EF4-FFF2-40B4-BE49-F238E27FC236}">
-                <a16:creationId xmlns:a16="http://schemas.microsoft.com/office/drawing/2014/main" id="{53858CFA-758E-44F6-BB30-4E8AF6ADDB2B}"/>
+                <a16:creationId xmlns:a16="http://schemas.microsoft.com/office/drawing/2014/main" id="{1126BE00-F628-42B0-BC7C-B1F86A418874}"/>
               </a:ext>
             </a:extLst>
           </p:cNvPr>
@@ -3852,7 +3607,7 @@
         </p:nvSpPr>
         <p:spPr>
           <a:xfrm>
-            <a:off x="14912047" y="3430429"/>
+            <a:off x="2142346" y="357257"/>
             <a:ext cx="2115918" cy="1080000"/>
           </a:xfrm>
           <a:prstGeom prst="rect">
@@ -3881,17 +3636,17 @@
             <a:pPr algn="ctr"/>
             <a:r>
               <a:rPr lang="ru-RU" sz="1400" dirty="0"/>
-              <a:t>Глава 11</a:t>
-            </a:r>
-          </a:p>
-        </p:txBody>
-      </p:sp>
-      <p:sp>
-        <p:nvSpPr>
-          <p:cNvPr id="20" name="Прямоугольник 19">
+              <a:t>Глава 10</a:t>
+            </a:r>
+          </a:p>
+        </p:txBody>
+      </p:sp>
+      <p:sp>
+        <p:nvSpPr>
+          <p:cNvPr id="22" name="Прямоугольник 21">
             <a:extLst>
               <a:ext uri="{FF2B5EF4-FFF2-40B4-BE49-F238E27FC236}">
-                <a16:creationId xmlns:a16="http://schemas.microsoft.com/office/drawing/2014/main" id="{ACFB9F83-8898-40CE-AFCC-912076ECC126}"/>
+                <a16:creationId xmlns:a16="http://schemas.microsoft.com/office/drawing/2014/main" id="{3CB29608-DC22-4390-AEE5-2AB5892169D2}"/>
               </a:ext>
             </a:extLst>
           </p:cNvPr>
@@ -3900,7 +3655,7 @@
         </p:nvSpPr>
         <p:spPr>
           <a:xfrm>
-            <a:off x="13175615" y="4839501"/>
+            <a:off x="405914" y="1766329"/>
             <a:ext cx="5601481" cy="1403799"/>
           </a:xfrm>
           <a:prstGeom prst="rect">
@@ -3929,30 +3684,46 @@
             <a:pPr algn="ctr"/>
             <a:r>
               <a:rPr lang="ru-RU" sz="1400" dirty="0"/>
-              <a:t>может быть что-то типа охоты на диких демонов, где в логове будет сердце которое поможет сформировать горн?</a:t>
+              <a:t>Пребывание в воде, выброс на остров, кормёжка фамильяров, осознание в какую жопу попал главный герой, кровь капающая с плеча, </a:t>
+            </a:r>
+            <a:r>
+              <a:rPr lang="ru-RU" sz="1400" dirty="0" err="1"/>
+              <a:t>омак</a:t>
+            </a:r>
+            <a:r>
+              <a:rPr lang="ru-RU" sz="1400" dirty="0"/>
+              <a:t> от лица матери здесь или в </a:t>
+            </a:r>
+            <a:r>
+              <a:rPr lang="ru-RU" sz="1400" dirty="0" err="1"/>
+              <a:t>некст</a:t>
+            </a:r>
+            <a:r>
+              <a:rPr lang="ru-RU" sz="1400" dirty="0"/>
+              <a:t> главе</a:t>
             </a:r>
           </a:p>
         </p:txBody>
       </p:sp>
       <p:cxnSp>
         <p:nvCxnSpPr>
-          <p:cNvPr id="21" name="Соединительная линия уступом 218">
+          <p:cNvPr id="23" name="Соединительная линия уступом 218">
             <a:extLst>
               <a:ext uri="{FF2B5EF4-FFF2-40B4-BE49-F238E27FC236}">
-                <a16:creationId xmlns:a16="http://schemas.microsoft.com/office/drawing/2014/main" id="{22BEF41A-438B-430B-A5C7-69A4AEC0D8D0}"/>
+                <a16:creationId xmlns:a16="http://schemas.microsoft.com/office/drawing/2014/main" id="{A4223CC3-BC98-4A9D-BE96-192ED71141CF}"/>
               </a:ext>
             </a:extLst>
           </p:cNvPr>
           <p:cNvCxnSpPr>
             <a:cxnSpLocks/>
-            <a:stCxn id="19" idx="2"/>
-            <a:endCxn id="20" idx="0"/>
+            <a:stCxn id="18" idx="2"/>
+            <a:endCxn id="22" idx="0"/>
           </p:cNvCxnSpPr>
           <p:nvPr/>
         </p:nvCxnSpPr>
         <p:spPr>
           <a:xfrm rot="16200000" flipH="1">
-            <a:off x="15808645" y="4671790"/>
+            <a:off x="3038944" y="1598618"/>
             <a:ext cx="329072" cy="6350"/>
           </a:xfrm>
           <a:prstGeom prst="bentConnector3">
@@ -3981,10 +3752,10 @@
       </p:cxnSp>
       <p:sp>
         <p:nvSpPr>
-          <p:cNvPr id="14" name="Прямоугольник 13">
+          <p:cNvPr id="27" name="Прямоугольник 26">
             <a:extLst>
               <a:ext uri="{FF2B5EF4-FFF2-40B4-BE49-F238E27FC236}">
-                <a16:creationId xmlns:a16="http://schemas.microsoft.com/office/drawing/2014/main" id="{138C9E10-5F9A-4A62-81B2-2FF5AF9FEF19}"/>
+                <a16:creationId xmlns:a16="http://schemas.microsoft.com/office/drawing/2014/main" id="{F059291C-BC11-4DCC-92F0-8DD85733EE61}"/>
               </a:ext>
             </a:extLst>
           </p:cNvPr>
@@ -3993,7 +3764,7 @@
         </p:nvSpPr>
         <p:spPr>
           <a:xfrm>
-            <a:off x="2142346" y="3426240"/>
+            <a:off x="14655014" y="357257"/>
             <a:ext cx="2115918" cy="1080000"/>
           </a:xfrm>
           <a:prstGeom prst="rect">
@@ -4022,17 +3793,17 @@
             <a:pPr algn="ctr"/>
             <a:r>
               <a:rPr lang="ru-RU" sz="1400" dirty="0"/>
-              <a:t>Глава 9</a:t>
-            </a:r>
-          </a:p>
-        </p:txBody>
-      </p:sp>
-      <p:sp>
-        <p:nvSpPr>
-          <p:cNvPr id="15" name="Прямоугольник 14">
+              <a:t>Глава 12</a:t>
+            </a:r>
+          </a:p>
+        </p:txBody>
+      </p:sp>
+      <p:sp>
+        <p:nvSpPr>
+          <p:cNvPr id="28" name="Прямоугольник 27">
             <a:extLst>
               <a:ext uri="{FF2B5EF4-FFF2-40B4-BE49-F238E27FC236}">
-                <a16:creationId xmlns:a16="http://schemas.microsoft.com/office/drawing/2014/main" id="{DB2EBDE4-D8A2-4BCD-94ED-96615DB239D5}"/>
+                <a16:creationId xmlns:a16="http://schemas.microsoft.com/office/drawing/2014/main" id="{4475BC17-1CEF-4937-893D-457BF4ED8007}"/>
               </a:ext>
             </a:extLst>
           </p:cNvPr>
@@ -4041,7 +3812,7 @@
         </p:nvSpPr>
         <p:spPr>
           <a:xfrm>
-            <a:off x="405914" y="4835312"/>
+            <a:off x="12918582" y="1766329"/>
             <a:ext cx="5601481" cy="1403799"/>
           </a:xfrm>
           <a:prstGeom prst="rect">
@@ -4070,54 +3841,30 @@
             <a:pPr algn="ctr"/>
             <a:r>
               <a:rPr lang="ru-RU" sz="1400" dirty="0"/>
-              <a:t>Удаление замка, нашёл яйца, нападение на корабль </a:t>
-            </a:r>
-            <a:r>
-              <a:rPr lang="ru-RU" sz="1400" dirty="0" err="1"/>
-              <a:t>астральника</a:t>
-            </a:r>
-            <a:r>
-              <a:rPr lang="ru-RU" sz="1400" dirty="0"/>
-              <a:t>,</a:t>
-            </a:r>
-            <a:r>
-              <a:rPr lang="en-US" sz="1400" dirty="0"/>
-              <a:t> </a:t>
-            </a:r>
-            <a:r>
-              <a:rPr lang="ru-RU" sz="1400" dirty="0"/>
-              <a:t>кормёжка </a:t>
-            </a:r>
-            <a:r>
-              <a:rPr lang="ru-RU" sz="1400" dirty="0" err="1"/>
-              <a:t>фамияров</a:t>
-            </a:r>
-            <a:r>
-              <a:rPr lang="ru-RU" sz="1400" dirty="0"/>
-              <a:t>. </a:t>
+              <a:t>Путешествие к центру острова, сборы ништяков по пути, пожирание сердца острова</a:t>
             </a:r>
           </a:p>
         </p:txBody>
       </p:sp>
       <p:cxnSp>
         <p:nvCxnSpPr>
-          <p:cNvPr id="16" name="Соединительная линия уступом 218">
+          <p:cNvPr id="29" name="Соединительная линия уступом 218">
             <a:extLst>
               <a:ext uri="{FF2B5EF4-FFF2-40B4-BE49-F238E27FC236}">
-                <a16:creationId xmlns:a16="http://schemas.microsoft.com/office/drawing/2014/main" id="{18F469D3-4FF6-4D9A-ABA0-1FAA91B88C17}"/>
+                <a16:creationId xmlns:a16="http://schemas.microsoft.com/office/drawing/2014/main" id="{67821B8F-D825-4794-BB56-F3ECFDF03962}"/>
               </a:ext>
             </a:extLst>
           </p:cNvPr>
           <p:cNvCxnSpPr>
             <a:cxnSpLocks/>
-            <a:stCxn id="14" idx="2"/>
-            <a:endCxn id="15" idx="0"/>
+            <a:stCxn id="27" idx="2"/>
+            <a:endCxn id="28" idx="0"/>
           </p:cNvCxnSpPr>
           <p:nvPr/>
         </p:nvCxnSpPr>
         <p:spPr>
           <a:xfrm rot="16200000" flipH="1">
-            <a:off x="3038944" y="4667601"/>
+            <a:off x="15551612" y="1598618"/>
             <a:ext cx="329072" cy="6350"/>
           </a:xfrm>
           <a:prstGeom prst="bentConnector3">
@@ -4146,10 +3893,10 @@
       </p:cxnSp>
       <p:sp>
         <p:nvSpPr>
-          <p:cNvPr id="18" name="Прямоугольник 17">
+          <p:cNvPr id="11" name="Прямоугольник 10">
             <a:extLst>
               <a:ext uri="{FF2B5EF4-FFF2-40B4-BE49-F238E27FC236}">
-                <a16:creationId xmlns:a16="http://schemas.microsoft.com/office/drawing/2014/main" id="{1126BE00-F628-42B0-BC7C-B1F86A418874}"/>
+                <a16:creationId xmlns:a16="http://schemas.microsoft.com/office/drawing/2014/main" id="{D6BCE596-0B38-43C2-BC47-6C34B801FBAD}"/>
               </a:ext>
             </a:extLst>
           </p:cNvPr>
@@ -4158,8 +3905,8 @@
         </p:nvSpPr>
         <p:spPr>
           <a:xfrm>
-            <a:off x="8682844" y="3426240"/>
-            <a:ext cx="2115918" cy="1080000"/>
+            <a:off x="954969" y="24197075"/>
+            <a:ext cx="3303295" cy="1201410"/>
           </a:xfrm>
           <a:prstGeom prst="rect">
             <a:avLst/>
@@ -4186,18 +3933,18 @@
           <a:p>
             <a:pPr algn="ctr"/>
             <a:r>
-              <a:rPr lang="ru-RU" sz="1400" dirty="0"/>
-              <a:t>Глава 10</a:t>
-            </a:r>
-          </a:p>
-        </p:txBody>
-      </p:sp>
-      <p:sp>
-        <p:nvSpPr>
-          <p:cNvPr id="22" name="Прямоугольник 21">
+              <a:rPr lang="ru-RU" sz="1800" b="1" dirty="0"/>
+              <a:t>Семя</a:t>
+            </a:r>
+          </a:p>
+        </p:txBody>
+      </p:sp>
+      <p:sp>
+        <p:nvSpPr>
+          <p:cNvPr id="12" name="Прямоугольник 11">
             <a:extLst>
               <a:ext uri="{FF2B5EF4-FFF2-40B4-BE49-F238E27FC236}">
-                <a16:creationId xmlns:a16="http://schemas.microsoft.com/office/drawing/2014/main" id="{3CB29608-DC22-4390-AEE5-2AB5892169D2}"/>
+                <a16:creationId xmlns:a16="http://schemas.microsoft.com/office/drawing/2014/main" id="{2F34CAC4-5C30-4411-B20E-95F19D14F41B}"/>
               </a:ext>
             </a:extLst>
           </p:cNvPr>
@@ -4206,8 +3953,8 @@
         </p:nvSpPr>
         <p:spPr>
           <a:xfrm>
-            <a:off x="6946412" y="4835312"/>
-            <a:ext cx="5601481" cy="1403799"/>
+            <a:off x="954969" y="25768842"/>
+            <a:ext cx="3303295" cy="1201410"/>
           </a:xfrm>
           <a:prstGeom prst="rect">
             <a:avLst/>
@@ -4234,71 +3981,18 @@
           <a:p>
             <a:pPr algn="ctr"/>
             <a:r>
-              <a:rPr lang="ru-RU" sz="1400" dirty="0"/>
-              <a:t>причалили на остров, его описание, встреча с родственниками, будущее для </a:t>
-            </a:r>
-            <a:r>
-              <a:rPr lang="ru-RU" sz="1400" dirty="0" err="1"/>
-              <a:t>Итана</a:t>
-            </a:r>
-            <a:r>
-              <a:rPr lang="ru-RU" sz="1400" dirty="0"/>
-              <a:t> с академией и службой</a:t>
-            </a:r>
-          </a:p>
-        </p:txBody>
-      </p:sp>
-      <p:cxnSp>
-        <p:nvCxnSpPr>
-          <p:cNvPr id="23" name="Соединительная линия уступом 218">
+              <a:rPr lang="ru-RU" sz="1800" b="1" dirty="0"/>
+              <a:t>Очаг</a:t>
+            </a:r>
+          </a:p>
+        </p:txBody>
+      </p:sp>
+      <p:sp>
+        <p:nvSpPr>
+          <p:cNvPr id="13" name="Прямоугольник 12">
             <a:extLst>
               <a:ext uri="{FF2B5EF4-FFF2-40B4-BE49-F238E27FC236}">
-                <a16:creationId xmlns:a16="http://schemas.microsoft.com/office/drawing/2014/main" id="{A4223CC3-BC98-4A9D-BE96-192ED71141CF}"/>
-              </a:ext>
-            </a:extLst>
-          </p:cNvPr>
-          <p:cNvCxnSpPr>
-            <a:cxnSpLocks/>
-            <a:stCxn id="18" idx="2"/>
-            <a:endCxn id="22" idx="0"/>
-          </p:cNvCxnSpPr>
-          <p:nvPr/>
-        </p:nvCxnSpPr>
-        <p:spPr>
-          <a:xfrm rot="16200000" flipH="1">
-            <a:off x="9579442" y="4667601"/>
-            <a:ext cx="329072" cy="6350"/>
-          </a:xfrm>
-          <a:prstGeom prst="bentConnector3">
-            <a:avLst>
-              <a:gd name="adj1" fmla="val 50000"/>
-            </a:avLst>
-          </a:prstGeom>
-          <a:ln w="28575">
-            <a:tailEnd type="arrow"/>
-          </a:ln>
-        </p:spPr>
-        <p:style>
-          <a:lnRef idx="1">
-            <a:schemeClr val="accent1"/>
-          </a:lnRef>
-          <a:fillRef idx="0">
-            <a:schemeClr val="accent1"/>
-          </a:fillRef>
-          <a:effectRef idx="0">
-            <a:schemeClr val="accent1"/>
-          </a:effectRef>
-          <a:fontRef idx="minor">
-            <a:schemeClr val="tx1"/>
-          </a:fontRef>
-        </p:style>
-      </p:cxnSp>
-      <p:sp>
-        <p:nvSpPr>
-          <p:cNvPr id="24" name="Прямоугольник 23">
-            <a:extLst>
-              <a:ext uri="{FF2B5EF4-FFF2-40B4-BE49-F238E27FC236}">
-                <a16:creationId xmlns:a16="http://schemas.microsoft.com/office/drawing/2014/main" id="{4C7AAED4-182E-4C48-9409-AE1F79297B35}"/>
+                <a16:creationId xmlns:a16="http://schemas.microsoft.com/office/drawing/2014/main" id="{F7C217D9-2907-4E7E-9817-C88CDD769644}"/>
               </a:ext>
             </a:extLst>
           </p:cNvPr>
@@ -4307,8 +4001,8 @@
         </p:nvSpPr>
         <p:spPr>
           <a:xfrm>
-            <a:off x="2142346" y="7075134"/>
-            <a:ext cx="2115918" cy="1080000"/>
+            <a:off x="954969" y="22464204"/>
+            <a:ext cx="3303295" cy="1201410"/>
           </a:xfrm>
           <a:prstGeom prst="rect">
             <a:avLst/>
@@ -4335,18 +4029,18 @@
           <a:p>
             <a:pPr algn="ctr"/>
             <a:r>
-              <a:rPr lang="ru-RU" sz="1400" dirty="0"/>
-              <a:t>Глава 12</a:t>
-            </a:r>
-          </a:p>
-        </p:txBody>
-      </p:sp>
-      <p:sp>
-        <p:nvSpPr>
-          <p:cNvPr id="25" name="Прямоугольник 24">
+              <a:rPr lang="ru-RU" sz="1800" b="1" dirty="0"/>
+              <a:t>Этапы эволюции горна души</a:t>
+            </a:r>
+          </a:p>
+        </p:txBody>
+      </p:sp>
+      <p:sp>
+        <p:nvSpPr>
+          <p:cNvPr id="14" name="Прямоугольник 13">
             <a:extLst>
               <a:ext uri="{FF2B5EF4-FFF2-40B4-BE49-F238E27FC236}">
-                <a16:creationId xmlns:a16="http://schemas.microsoft.com/office/drawing/2014/main" id="{E7CD2A6D-DC8B-4084-AD02-19D8FA2C9CC2}"/>
+                <a16:creationId xmlns:a16="http://schemas.microsoft.com/office/drawing/2014/main" id="{CDA5EAA1-B64D-4749-A733-EB5F4AC8DCCB}"/>
               </a:ext>
             </a:extLst>
           </p:cNvPr>
@@ -4355,8 +4049,8 @@
         </p:nvSpPr>
         <p:spPr>
           <a:xfrm>
-            <a:off x="405914" y="8484206"/>
-            <a:ext cx="5601481" cy="1403799"/>
+            <a:off x="954968" y="27627213"/>
+            <a:ext cx="3303295" cy="1201410"/>
           </a:xfrm>
           <a:prstGeom prst="rect">
             <a:avLst/>
@@ -4383,57 +4077,60 @@
           <a:p>
             <a:pPr algn="ctr"/>
             <a:r>
-              <a:rPr lang="ru-RU" sz="1400" dirty="0"/>
-              <a:t>наследство отца, получение ингредиентов, замена крови одержимого на свою, эксперименты в алхимии с кровью, </a:t>
-            </a:r>
-          </a:p>
-        </p:txBody>
-      </p:sp>
-      <p:cxnSp>
-        <p:nvCxnSpPr>
-          <p:cNvPr id="26" name="Соединительная линия уступом 218">
+              <a:rPr lang="ru-RU" sz="1800" b="1" dirty="0"/>
+              <a:t>Парад планет</a:t>
+            </a:r>
+          </a:p>
+        </p:txBody>
+      </p:sp>
+      <p:sp>
+        <p:nvSpPr>
+          <p:cNvPr id="15" name="Прямоугольник 14">
             <a:extLst>
               <a:ext uri="{FF2B5EF4-FFF2-40B4-BE49-F238E27FC236}">
-                <a16:creationId xmlns:a16="http://schemas.microsoft.com/office/drawing/2014/main" id="{EA6F991C-530A-4CD2-81DC-7B890C51E962}"/>
+                <a16:creationId xmlns:a16="http://schemas.microsoft.com/office/drawing/2014/main" id="{904629DC-944B-47FB-A5D6-052114A633A5}"/>
               </a:ext>
             </a:extLst>
           </p:cNvPr>
-          <p:cNvCxnSpPr>
-            <a:cxnSpLocks/>
-            <a:stCxn id="24" idx="2"/>
-            <a:endCxn id="25" idx="0"/>
-          </p:cNvCxnSpPr>
+          <p:cNvSpPr/>
           <p:nvPr/>
-        </p:nvCxnSpPr>
+        </p:nvSpPr>
         <p:spPr>
-          <a:xfrm rot="16200000" flipH="1">
-            <a:off x="3038944" y="8316495"/>
-            <a:ext cx="329072" cy="6350"/>
+          <a:xfrm>
+            <a:off x="4764969" y="24197075"/>
+            <a:ext cx="3303295" cy="1201410"/>
           </a:xfrm>
-          <a:prstGeom prst="bentConnector3">
-            <a:avLst>
-              <a:gd name="adj1" fmla="val 50000"/>
-            </a:avLst>
+          <a:prstGeom prst="rect">
+            <a:avLst/>
           </a:prstGeom>
-          <a:ln w="28575">
-            <a:tailEnd type="arrow"/>
-          </a:ln>
+          <a:ln w="28575"/>
         </p:spPr>
         <p:style>
-          <a:lnRef idx="1">
+          <a:lnRef idx="2">
             <a:schemeClr val="accent1"/>
           </a:lnRef>
-          <a:fillRef idx="0">
-            <a:schemeClr val="accent1"/>
+          <a:fillRef idx="1">
+            <a:schemeClr val="lt1"/>
           </a:fillRef>
           <a:effectRef idx="0">
             <a:schemeClr val="accent1"/>
           </a:effectRef>
           <a:fontRef idx="minor">
-            <a:schemeClr val="tx1"/>
+            <a:schemeClr val="dk1"/>
           </a:fontRef>
         </p:style>
-      </p:cxnSp>
+        <p:txBody>
+          <a:bodyPr lIns="124733" tIns="62367" rIns="124733" bIns="62367" rtlCol="0" anchor="ctr"/>
+          <a:lstStyle/>
+          <a:p>
+            <a:pPr algn="ctr"/>
+            <a:r>
+              <a:rPr lang="ru-RU" sz="1800" b="1" dirty="0"/>
+              <a:t>Ввести ли временное «затухание» очага?</a:t>
+            </a:r>
+          </a:p>
+        </p:txBody>
+      </p:sp>
     </p:spTree>
     <p:extLst>
       <p:ext uri="{BB962C8B-B14F-4D97-AF65-F5344CB8AC3E}">
